--- a/NBAvis_presentation.pptx
+++ b/NBAvis_presentation.pptx
@@ -14,7 +14,8 @@
     <p:sldId id="259" r:id="rId8"/>
     <p:sldId id="262" r:id="rId9"/>
     <p:sldId id="263" r:id="rId10"/>
-    <p:sldId id="264" r:id="rId11"/>
+    <p:sldId id="266" r:id="rId11"/>
+    <p:sldId id="264" r:id="rId12"/>
   </p:sldIdLst>
   <p:sldSz cx="12192000" cy="6858000"/>
   <p:notesSz cx="6858000" cy="9144000"/>
@@ -3958,6 +3959,182 @@
           <a:p>
             <a:r>
               <a:rPr lang="en-US" dirty="0" smtClean="0"/>
+              <a:t>What does our data look like?</a:t>
+            </a:r>
+            <a:endParaRPr lang="en-US" dirty="0"/>
+          </a:p>
+        </p:txBody>
+      </p:sp>
+      <p:sp>
+        <p:nvSpPr>
+          <p:cNvPr id="3" name="Content Placeholder 2"/>
+          <p:cNvSpPr>
+            <a:spLocks noGrp="1"/>
+          </p:cNvSpPr>
+          <p:nvPr>
+            <p:ph idx="1"/>
+          </p:nvPr>
+        </p:nvSpPr>
+        <p:spPr>
+          <a:xfrm>
+            <a:off x="1097280" y="1845734"/>
+            <a:ext cx="10058400" cy="4350114"/>
+          </a:xfrm>
+        </p:spPr>
+        <p:txBody>
+          <a:bodyPr>
+            <a:normAutofit/>
+          </a:bodyPr>
+          <a:lstStyle/>
+          <a:p>
+            <a:pPr>
+              <a:buFont typeface="Wingdings" charset="2"/>
+              <a:buChar char="Ø"/>
+            </a:pPr>
+            <a:r>
+              <a:rPr lang="en-US" dirty="0" smtClean="0"/>
+              <a:t> Column names:</a:t>
+            </a:r>
+          </a:p>
+          <a:p>
+            <a:r>
+              <a:rPr lang="en-US" b="1" dirty="0" smtClean="0"/>
+              <a:t>GRID_TYPE</a:t>
+            </a:r>
+            <a:r>
+              <a:rPr lang="en-US" b="1" dirty="0"/>
+              <a:t>	GAME_ID	GAME_EVENT_ID	PLAYER_ID	</a:t>
+            </a:r>
+            <a:r>
+              <a:rPr lang="en-US" b="1" dirty="0" smtClean="0"/>
+              <a:t>PLAYER_NAME TEAM_ID</a:t>
+            </a:r>
+            <a:r>
+              <a:rPr lang="en-US" b="1" dirty="0"/>
+              <a:t>	TEAM_NAME	PERIOD	MINUTES_REMAINING	</a:t>
+            </a:r>
+            <a:r>
+              <a:rPr lang="en-US" b="1" dirty="0" smtClean="0"/>
+              <a:t>SECONDS_REMAINING EVENT_TYPE</a:t>
+            </a:r>
+            <a:r>
+              <a:rPr lang="en-US" b="1" dirty="0"/>
+              <a:t>	ACTION_TYPE	SHOT_TYPE	</a:t>
+            </a:r>
+            <a:r>
+              <a:rPr lang="en-US" b="1" dirty="0" smtClean="0"/>
+              <a:t>SHOT_ZONE_BASIC SHOT_ZONE_AREA</a:t>
+            </a:r>
+            <a:r>
+              <a:rPr lang="en-US" b="1" dirty="0"/>
+              <a:t> </a:t>
+            </a:r>
+            <a:r>
+              <a:rPr lang="en-US" b="1" dirty="0" smtClean="0"/>
+              <a:t>SHOT_ZONE_RANGE</a:t>
+            </a:r>
+            <a:r>
+              <a:rPr lang="en-US" b="1" dirty="0"/>
+              <a:t>	SHOT_DISTANCE	LOC_X	LOC_Y	</a:t>
+            </a:r>
+            <a:r>
+              <a:rPr lang="en-US" b="1" dirty="0" smtClean="0"/>
+              <a:t>SHOT_ATTEMPTED_FLAG SHOT_MADE_FLAG</a:t>
+            </a:r>
+            <a:r>
+              <a:rPr lang="en-US" b="1" dirty="0"/>
+              <a:t>	</a:t>
+            </a:r>
+            <a:endParaRPr lang="en-US" b="1" dirty="0" smtClean="0"/>
+          </a:p>
+          <a:p>
+            <a:pPr>
+              <a:buFont typeface="Wingdings" charset="2"/>
+              <a:buChar char="Ø"/>
+            </a:pPr>
+            <a:r>
+              <a:rPr lang="en-US" b="1" dirty="0"/>
+              <a:t> </a:t>
+            </a:r>
+            <a:r>
+              <a:rPr lang="en-US" dirty="0" smtClean="0"/>
+              <a:t>First data point</a:t>
+            </a:r>
+            <a:r>
+              <a:rPr lang="en-US" b="1" dirty="0"/>
+              <a:t>	</a:t>
+            </a:r>
+          </a:p>
+          <a:p>
+            <a:r>
+              <a:rPr lang="en-US" b="1" dirty="0"/>
+              <a:t>1	</a:t>
+            </a:r>
+            <a:r>
+              <a:rPr lang="en-US" dirty="0"/>
+              <a:t>Shot Chart Detail	0021400014	50	201939	Stephen Curry	1610612744	Golden State Warriors	1	7	29	Made Shot	Running Jump Shot	2PT Field Goal	Mid-Range	Left Side(L)	8-16 ft.	10	-81	72	1	1	</a:t>
+            </a:r>
+          </a:p>
+          <a:p>
+            <a:pPr>
+              <a:buFont typeface="Wingdings" charset="2"/>
+              <a:buChar char="Ø"/>
+            </a:pPr>
+            <a:r>
+              <a:rPr lang="en-US" dirty="0" smtClean="0"/>
+              <a:t> Total data points for Steph Curry: 1341</a:t>
+            </a:r>
+            <a:endParaRPr lang="en-US" dirty="0"/>
+          </a:p>
+        </p:txBody>
+      </p:sp>
+    </p:spTree>
+    <p:extLst>
+      <p:ext uri="{BB962C8B-B14F-4D97-AF65-F5344CB8AC3E}">
+        <p14:creationId xmlns:p14="http://schemas.microsoft.com/office/powerpoint/2010/main" val="1512893226"/>
+      </p:ext>
+    </p:extLst>
+  </p:cSld>
+  <p:clrMapOvr>
+    <a:masterClrMapping/>
+  </p:clrMapOvr>
+</p:sld>
+</file>
+
+<file path=ppt/slides/slide11.xml><?xml version="1.0" encoding="utf-8"?>
+<p:sld xmlns:a="http://schemas.openxmlformats.org/drawingml/2006/main" xmlns:r="http://schemas.openxmlformats.org/officeDocument/2006/relationships" xmlns:p="http://schemas.openxmlformats.org/presentationml/2006/main">
+  <p:cSld>
+    <p:spTree>
+      <p:nvGrpSpPr>
+        <p:cNvPr id="1" name=""/>
+        <p:cNvGrpSpPr/>
+        <p:nvPr/>
+      </p:nvGrpSpPr>
+      <p:grpSpPr>
+        <a:xfrm>
+          <a:off x="0" y="0"/>
+          <a:ext cx="0" cy="0"/>
+          <a:chOff x="0" y="0"/>
+          <a:chExt cx="0" cy="0"/>
+        </a:xfrm>
+      </p:grpSpPr>
+      <p:sp>
+        <p:nvSpPr>
+          <p:cNvPr id="2" name="Title 1"/>
+          <p:cNvSpPr>
+            <a:spLocks noGrp="1"/>
+          </p:cNvSpPr>
+          <p:nvPr>
+            <p:ph type="title"/>
+          </p:nvPr>
+        </p:nvSpPr>
+        <p:spPr/>
+        <p:txBody>
+          <a:bodyPr/>
+          <a:lstStyle/>
+          <a:p>
+            <a:r>
+              <a:rPr lang="en-US" dirty="0" smtClean="0"/>
               <a:t>Step 5: ggplot2</a:t>
             </a:r>
             <a:endParaRPr lang="en-US" dirty="0"/>

--- a/NBAvis_presentation.pptx
+++ b/NBAvis_presentation.pptx
@@ -16,6 +16,9 @@
     <p:sldId id="263" r:id="rId10"/>
     <p:sldId id="266" r:id="rId11"/>
     <p:sldId id="264" r:id="rId12"/>
+    <p:sldId id="267" r:id="rId13"/>
+    <p:sldId id="268" r:id="rId14"/>
+    <p:sldId id="269" r:id="rId15"/>
   </p:sldIdLst>
   <p:sldSz cx="12192000" cy="6858000"/>
   <p:notesSz cx="6858000" cy="9144000"/>
@@ -4238,6 +4241,246 @@
 </p:sld>
 </file>
 
+<file path=ppt/slides/slide12.xml><?xml version="1.0" encoding="utf-8"?>
+<p:sld xmlns:a="http://schemas.openxmlformats.org/drawingml/2006/main" xmlns:r="http://schemas.openxmlformats.org/officeDocument/2006/relationships" xmlns:p="http://schemas.openxmlformats.org/presentationml/2006/main">
+  <p:cSld>
+    <p:spTree>
+      <p:nvGrpSpPr>
+        <p:cNvPr id="1" name=""/>
+        <p:cNvGrpSpPr/>
+        <p:nvPr/>
+      </p:nvGrpSpPr>
+      <p:grpSpPr>
+        <a:xfrm>
+          <a:off x="0" y="0"/>
+          <a:ext cx="0" cy="0"/>
+          <a:chOff x="0" y="0"/>
+          <a:chExt cx="0" cy="0"/>
+        </a:xfrm>
+      </p:grpSpPr>
+      <p:sp>
+        <p:nvSpPr>
+          <p:cNvPr id="2" name="Title 1"/>
+          <p:cNvSpPr>
+            <a:spLocks noGrp="1"/>
+          </p:cNvSpPr>
+          <p:nvPr>
+            <p:ph type="title"/>
+          </p:nvPr>
+        </p:nvSpPr>
+        <p:spPr/>
+        <p:txBody>
+          <a:bodyPr/>
+          <a:lstStyle/>
+          <a:p>
+            <a:r>
+              <a:rPr lang="en-US" smtClean="0"/>
+              <a:t>Launch and run app</a:t>
+            </a:r>
+            <a:endParaRPr lang="en-US" dirty="0"/>
+          </a:p>
+        </p:txBody>
+      </p:sp>
+      <p:sp>
+        <p:nvSpPr>
+          <p:cNvPr id="3" name="Content Placeholder 2"/>
+          <p:cNvSpPr>
+            <a:spLocks noGrp="1"/>
+          </p:cNvSpPr>
+          <p:nvPr>
+            <p:ph idx="1"/>
+          </p:nvPr>
+        </p:nvSpPr>
+        <p:spPr/>
+        <p:txBody>
+          <a:bodyPr/>
+          <a:lstStyle/>
+          <a:p>
+            <a:endParaRPr lang="en-US"/>
+          </a:p>
+        </p:txBody>
+      </p:sp>
+    </p:spTree>
+    <p:extLst>
+      <p:ext uri="{BB962C8B-B14F-4D97-AF65-F5344CB8AC3E}">
+        <p14:creationId xmlns:p14="http://schemas.microsoft.com/office/powerpoint/2010/main" val="1955055826"/>
+      </p:ext>
+    </p:extLst>
+  </p:cSld>
+  <p:clrMapOvr>
+    <a:masterClrMapping/>
+  </p:clrMapOvr>
+</p:sld>
+</file>
+
+<file path=ppt/slides/slide13.xml><?xml version="1.0" encoding="utf-8"?>
+<p:sld xmlns:a="http://schemas.openxmlformats.org/drawingml/2006/main" xmlns:r="http://schemas.openxmlformats.org/officeDocument/2006/relationships" xmlns:p="http://schemas.openxmlformats.org/presentationml/2006/main">
+  <p:cSld>
+    <p:spTree>
+      <p:nvGrpSpPr>
+        <p:cNvPr id="1" name=""/>
+        <p:cNvGrpSpPr/>
+        <p:nvPr/>
+      </p:nvGrpSpPr>
+      <p:grpSpPr>
+        <a:xfrm>
+          <a:off x="0" y="0"/>
+          <a:ext cx="0" cy="0"/>
+          <a:chOff x="0" y="0"/>
+          <a:chExt cx="0" cy="0"/>
+        </a:xfrm>
+      </p:grpSpPr>
+      <p:sp>
+        <p:nvSpPr>
+          <p:cNvPr id="2" name="Title 1"/>
+          <p:cNvSpPr>
+            <a:spLocks noGrp="1"/>
+          </p:cNvSpPr>
+          <p:nvPr>
+            <p:ph type="title"/>
+          </p:nvPr>
+        </p:nvSpPr>
+        <p:spPr/>
+        <p:txBody>
+          <a:bodyPr/>
+          <a:lstStyle/>
+          <a:p>
+            <a:r>
+              <a:rPr lang="en-US" dirty="0" smtClean="0"/>
+              <a:t>Questions?</a:t>
+            </a:r>
+            <a:endParaRPr lang="en-US" dirty="0"/>
+          </a:p>
+        </p:txBody>
+      </p:sp>
+      <p:sp>
+        <p:nvSpPr>
+          <p:cNvPr id="3" name="Content Placeholder 2"/>
+          <p:cNvSpPr>
+            <a:spLocks noGrp="1"/>
+          </p:cNvSpPr>
+          <p:nvPr>
+            <p:ph idx="1"/>
+          </p:nvPr>
+        </p:nvSpPr>
+        <p:spPr/>
+        <p:txBody>
+          <a:bodyPr/>
+          <a:lstStyle/>
+          <a:p>
+            <a:endParaRPr lang="en-US"/>
+          </a:p>
+        </p:txBody>
+      </p:sp>
+    </p:spTree>
+    <p:extLst>
+      <p:ext uri="{BB962C8B-B14F-4D97-AF65-F5344CB8AC3E}">
+        <p14:creationId xmlns:p14="http://schemas.microsoft.com/office/powerpoint/2010/main" val="104047481"/>
+      </p:ext>
+    </p:extLst>
+  </p:cSld>
+  <p:clrMapOvr>
+    <a:masterClrMapping/>
+  </p:clrMapOvr>
+</p:sld>
+</file>
+
+<file path=ppt/slides/slide14.xml><?xml version="1.0" encoding="utf-8"?>
+<p:sld xmlns:a="http://schemas.openxmlformats.org/drawingml/2006/main" xmlns:r="http://schemas.openxmlformats.org/officeDocument/2006/relationships" xmlns:p="http://schemas.openxmlformats.org/presentationml/2006/main">
+  <p:cSld>
+    <p:spTree>
+      <p:nvGrpSpPr>
+        <p:cNvPr id="1" name=""/>
+        <p:cNvGrpSpPr/>
+        <p:nvPr/>
+      </p:nvGrpSpPr>
+      <p:grpSpPr>
+        <a:xfrm>
+          <a:off x="0" y="0"/>
+          <a:ext cx="0" cy="0"/>
+          <a:chOff x="0" y="0"/>
+          <a:chExt cx="0" cy="0"/>
+        </a:xfrm>
+      </p:grpSpPr>
+      <p:sp>
+        <p:nvSpPr>
+          <p:cNvPr id="2" name="Title 1"/>
+          <p:cNvSpPr>
+            <a:spLocks noGrp="1"/>
+          </p:cNvSpPr>
+          <p:nvPr>
+            <p:ph type="title"/>
+          </p:nvPr>
+        </p:nvSpPr>
+        <p:spPr/>
+        <p:txBody>
+          <a:bodyPr/>
+          <a:lstStyle/>
+          <a:p>
+            <a:pPr algn="ctr"/>
+            <a:r>
+              <a:rPr lang="en-US" dirty="0" smtClean="0"/>
+              <a:t>Thank you!</a:t>
+            </a:r>
+            <a:endParaRPr lang="en-US" dirty="0"/>
+          </a:p>
+        </p:txBody>
+      </p:sp>
+      <p:sp>
+        <p:nvSpPr>
+          <p:cNvPr id="3" name="Content Placeholder 2"/>
+          <p:cNvSpPr>
+            <a:spLocks noGrp="1"/>
+          </p:cNvSpPr>
+          <p:nvPr>
+            <p:ph idx="1"/>
+          </p:nvPr>
+        </p:nvSpPr>
+        <p:spPr/>
+        <p:txBody>
+          <a:bodyPr/>
+          <a:lstStyle/>
+          <a:p>
+            <a:pPr>
+              <a:buFont typeface="Wingdings" charset="2"/>
+              <a:buChar char="Ø"/>
+            </a:pPr>
+            <a:r>
+              <a:rPr lang="en-US" dirty="0">
+                <a:hlinkClick r:id="rId2"/>
+              </a:rPr>
+              <a:t>http://princeton-data-science.github.io</a:t>
+            </a:r>
+            <a:r>
+              <a:rPr lang="en-US" dirty="0" smtClean="0">
+                <a:hlinkClick r:id="rId2"/>
+              </a:rPr>
+              <a:t>/</a:t>
+            </a:r>
+            <a:endParaRPr lang="en-US" dirty="0" smtClean="0"/>
+          </a:p>
+          <a:p>
+            <a:pPr>
+              <a:buFont typeface="Wingdings" charset="2"/>
+              <a:buChar char="Ø"/>
+            </a:pPr>
+            <a:endParaRPr lang="en-US" dirty="0"/>
+          </a:p>
+        </p:txBody>
+      </p:sp>
+    </p:spTree>
+    <p:extLst>
+      <p:ext uri="{BB962C8B-B14F-4D97-AF65-F5344CB8AC3E}">
+        <p14:creationId xmlns:p14="http://schemas.microsoft.com/office/powerpoint/2010/main" val="1100817544"/>
+      </p:ext>
+    </p:extLst>
+  </p:cSld>
+  <p:clrMapOvr>
+    <a:masterClrMapping/>
+  </p:clrMapOvr>
+</p:sld>
+</file>
+
 <file path=ppt/slides/slide2.xml><?xml version="1.0" encoding="utf-8"?>
 <p:sld xmlns:a="http://schemas.openxmlformats.org/drawingml/2006/main" xmlns:r="http://schemas.openxmlformats.org/officeDocument/2006/relationships" xmlns:p="http://schemas.openxmlformats.org/presentationml/2006/main">
   <p:cSld>

--- a/NBAvis_presentation.pptx
+++ b/NBAvis_presentation.pptx
@@ -3835,8 +3835,12 @@
           <a:lstStyle/>
           <a:p>
             <a:r>
-              <a:rPr lang="en-US" dirty="0" smtClean="0"/>
-              <a:t>NBA Shot Data Visualization</a:t>
+              <a:rPr lang="en-US" b="1" dirty="0"/>
+              <a:t>Intro to Data Science </a:t>
+            </a:r>
+            <a:r>
+              <a:rPr lang="en-US" b="1" dirty="0" smtClean="0"/>
+              <a:t>Workshop</a:t>
             </a:r>
             <a:endParaRPr lang="en-US" dirty="0"/>
           </a:p>
@@ -3860,13 +3864,17 @@
         </p:spPr>
         <p:txBody>
           <a:bodyPr>
-            <a:normAutofit/>
+            <a:noAutofit/>
           </a:bodyPr>
           <a:lstStyle/>
           <a:p>
             <a:r>
-              <a:rPr lang="en-US" dirty="0" smtClean="0"/>
-              <a:t>From scratch to an app in 60 minutes</a:t>
+              <a:rPr lang="en-US" sz="4000" dirty="0" err="1" smtClean="0"/>
+              <a:t>Nba</a:t>
+            </a:r>
+            <a:r>
+              <a:rPr lang="en-US" sz="4000" dirty="0" smtClean="0"/>
+              <a:t> shot data visualization</a:t>
             </a:r>
           </a:p>
         </p:txBody>
@@ -4274,7 +4282,7 @@
           <a:lstStyle/>
           <a:p>
             <a:r>
-              <a:rPr lang="en-US" smtClean="0"/>
+              <a:rPr lang="en-US" dirty="0" smtClean="0"/>
               <a:t>Launch and run app</a:t>
             </a:r>
             <a:endParaRPr lang="en-US" dirty="0"/>
